--- a/Presentations/NIEM-UML-3-InitialSubmission.pptx
+++ b/Presentations/NIEM-UML-3-InitialSubmission.pptx
@@ -222,7 +222,7 @@
             <a:fld id="{F479A44B-3772-674F-95C9-7079CC0120AD}" type="datetimeFigureOut">
               <a:rPr lang="en-US" smtClean="0"/>
               <a:pPr/>
-              <a:t>9/8/2014</a:t>
+              <a:t>9/10/2014</a:t>
             </a:fld>
             <a:endParaRPr lang="en-US"/>
           </a:p>
@@ -560,7 +560,7 @@
             <a:fld id="{8F516FD0-C93A-1348-85E0-3F3CBC73EE20}" type="datetimeFigureOut">
               <a:rPr lang="en-US" smtClean="0"/>
               <a:pPr/>
-              <a:t>9/8/2014</a:t>
+              <a:t>9/10/2014</a:t>
             </a:fld>
             <a:endParaRPr lang="en-US"/>
           </a:p>
@@ -919,7 +919,7 @@
             <a:fld id="{8F516FD0-C93A-1348-85E0-3F3CBC73EE20}" type="datetimeFigureOut">
               <a:rPr lang="en-US" smtClean="0"/>
               <a:pPr/>
-              <a:t>9/8/2014</a:t>
+              <a:t>9/10/2014</a:t>
             </a:fld>
             <a:endParaRPr lang="en-US"/>
           </a:p>
@@ -999,7 +999,7 @@
             <a:fld id="{8F516FD0-C93A-1348-85E0-3F3CBC73EE20}" type="datetimeFigureOut">
               <a:rPr lang="en-US" smtClean="0"/>
               <a:pPr/>
-              <a:t>9/8/2014</a:t>
+              <a:t>9/10/2014</a:t>
             </a:fld>
             <a:endParaRPr lang="en-US"/>
           </a:p>
@@ -1338,7 +1338,7 @@
             <a:fld id="{8F516FD0-C93A-1348-85E0-3F3CBC73EE20}" type="datetimeFigureOut">
               <a:rPr lang="en-US" smtClean="0"/>
               <a:pPr/>
-              <a:t>9/8/2014</a:t>
+              <a:t>9/10/2014</a:t>
             </a:fld>
             <a:endParaRPr lang="en-US"/>
           </a:p>
@@ -1604,7 +1604,7 @@
             <a:fld id="{8F516FD0-C93A-1348-85E0-3F3CBC73EE20}" type="datetimeFigureOut">
               <a:rPr lang="en-US" smtClean="0"/>
               <a:pPr/>
-              <a:t>9/8/2014</a:t>
+              <a:t>9/10/2014</a:t>
             </a:fld>
             <a:endParaRPr lang="en-US"/>
           </a:p>
@@ -1887,7 +1887,7 @@
             <a:fld id="{8F516FD0-C93A-1348-85E0-3F3CBC73EE20}" type="datetimeFigureOut">
               <a:rPr lang="en-US" smtClean="0"/>
               <a:pPr/>
-              <a:t>9/8/2014</a:t>
+              <a:t>9/10/2014</a:t>
             </a:fld>
             <a:endParaRPr lang="en-US"/>
           </a:p>
@@ -1999,7 +1999,7 @@
             <a:fld id="{8F516FD0-C93A-1348-85E0-3F3CBC73EE20}" type="datetimeFigureOut">
               <a:rPr lang="en-US" smtClean="0"/>
               <a:pPr/>
-              <a:t>9/8/2014</a:t>
+              <a:t>9/10/2014</a:t>
             </a:fld>
             <a:endParaRPr lang="en-US"/>
           </a:p>
@@ -2289,7 +2289,7 @@
             <a:fld id="{8F516FD0-C93A-1348-85E0-3F3CBC73EE20}" type="datetimeFigureOut">
               <a:rPr lang="en-US" smtClean="0"/>
               <a:pPr/>
-              <a:t>9/8/2014</a:t>
+              <a:t>9/10/2014</a:t>
             </a:fld>
             <a:endParaRPr lang="en-US"/>
           </a:p>
@@ -2544,7 +2544,7 @@
             <a:fld id="{177AD23B-53B1-7149-BB42-4BE73F7B5434}" type="datetimeFigureOut">
               <a:rPr lang="en-US" smtClean="0"/>
               <a:pPr/>
-              <a:t>9/8/2014</a:t>
+              <a:t>9/10/2014</a:t>
             </a:fld>
             <a:endParaRPr lang="en-US"/>
           </a:p>
@@ -2796,7 +2796,7 @@
             <a:fld id="{8F516FD0-C93A-1348-85E0-3F3CBC73EE20}" type="datetimeFigureOut">
               <a:rPr lang="en-US" smtClean="0"/>
               <a:pPr/>
-              <a:t>9/8/2014</a:t>
+              <a:t>9/10/2014</a:t>
             </a:fld>
             <a:endParaRPr lang="en-US" dirty="0"/>
           </a:p>
@@ -3461,11 +3461,7 @@
             <a:pPr algn="ctr"/>
             <a:r>
               <a:rPr lang="en-US" dirty="0" smtClean="0"/>
-              <a:t>NIEM-UML-3 </a:t>
-            </a:r>
-            <a:r>
-              <a:rPr lang="en-US" dirty="0" smtClean="0"/>
-              <a:t>Specification Overview</a:t>
+              <a:t>NIEM-UML-3 Specification Overview</a:t>
             </a:r>
             <a:endParaRPr lang="en-US" dirty="0"/>
           </a:p>
@@ -3495,24 +3491,16 @@
           <a:p>
             <a:r>
               <a:rPr lang="en-US" sz="1600" dirty="0" smtClean="0"/>
-              <a:t>Cory </a:t>
-            </a:r>
+              <a:t>Cory Casanave, Model Driven Solutions</a:t>
+            </a:r>
+          </a:p>
+          <a:p>
+            <a:endParaRPr lang="en-US" sz="1600" dirty="0"/>
+          </a:p>
+          <a:p>
             <a:r>
               <a:rPr lang="en-US" sz="1600" dirty="0" smtClean="0"/>
-              <a:t>Casanave, Model Driven Solutions</a:t>
-            </a:r>
-          </a:p>
-          <a:p>
-            <a:endParaRPr lang="en-US" sz="1600" dirty="0"/>
-          </a:p>
-          <a:p>
-            <a:r>
-              <a:rPr lang="en-US" sz="1600" dirty="0" smtClean="0"/>
-              <a:t>September 2014 </a:t>
-            </a:r>
-            <a:r>
-              <a:rPr lang="en-US" sz="1600" dirty="0" smtClean="0"/>
-              <a:t>OMG Meeting</a:t>
+              <a:t>September 2014 OMG Meeting</a:t>
             </a:r>
           </a:p>
           <a:p>
@@ -3561,6 +3549,70 @@
                   <a:srgbClr val="FFFFFF"/>
                 </a:solidFill>
               </a14:hiddenFill>
+            </a:ext>
+          </a:extLst>
+        </p:spPr>
+      </p:pic>
+      <p:pic>
+        <p:nvPicPr>
+          <p:cNvPr id="5" name="Picture 4"/>
+          <p:cNvPicPr>
+            <a:picLocks noChangeAspect="1" noChangeArrowheads="1"/>
+          </p:cNvPicPr>
+          <p:nvPr/>
+        </p:nvPicPr>
+        <p:blipFill>
+          <a:blip r:embed="rId3">
+            <a:extLst>
+              <a:ext uri="{28A0092B-C50C-407E-A947-70E740481C1C}">
+                <a14:useLocalDpi xmlns:a14="http://schemas.microsoft.com/office/drawing/2010/main" val="0"/>
+              </a:ext>
+            </a:extLst>
+          </a:blip>
+          <a:srcRect/>
+          <a:stretch>
+            <a:fillRect/>
+          </a:stretch>
+        </p:blipFill>
+        <p:spPr bwMode="auto">
+          <a:xfrm>
+            <a:off x="3789601" y="5080190"/>
+            <a:ext cx="1630681" cy="964819"/>
+          </a:xfrm>
+          <a:prstGeom prst="rect">
+            <a:avLst/>
+          </a:prstGeom>
+          <a:noFill/>
+          <a:ln>
+            <a:noFill/>
+          </a:ln>
+          <a:effectLst/>
+          <a:extLst>
+            <a:ext uri="{909E8E84-426E-40DD-AFC4-6F175D3DCCD1}">
+              <a14:hiddenFill xmlns:a14="http://schemas.microsoft.com/office/drawing/2010/main">
+                <a:solidFill>
+                  <a:schemeClr val="accent1"/>
+                </a:solidFill>
+              </a14:hiddenFill>
+            </a:ext>
+            <a:ext uri="{91240B29-F687-4F45-9708-019B960494DF}">
+              <a14:hiddenLine xmlns:a14="http://schemas.microsoft.com/office/drawing/2010/main" w="9525">
+                <a:solidFill>
+                  <a:schemeClr val="tx1"/>
+                </a:solidFill>
+                <a:miter lim="800000"/>
+                <a:headEnd/>
+                <a:tailEnd/>
+              </a14:hiddenLine>
+            </a:ext>
+            <a:ext uri="{AF507438-7753-43E0-B8FC-AC1667EBCBE1}">
+              <a14:hiddenEffects xmlns:a14="http://schemas.microsoft.com/office/drawing/2010/main">
+                <a:effectLst>
+                  <a:outerShdw dist="35921" dir="2700000" algn="ctr" rotWithShape="0">
+                    <a:schemeClr val="bg2"/>
+                  </a:outerShdw>
+                </a:effectLst>
+              </a14:hiddenEffects>
             </a:ext>
           </a:extLst>
         </p:spPr>
@@ -4081,13 +4133,6 @@
               </a:rPr>
               <a:t>Representation</a:t>
             </a:r>
-            <a:endParaRPr lang="en-US" sz="1400" b="1" spc="-50" dirty="0" smtClean="0">
-              <a:solidFill>
-                <a:srgbClr val="304776"/>
-              </a:solidFill>
-              <a:latin typeface="Arial"/>
-              <a:cs typeface="Arial"/>
-            </a:endParaRPr>
           </a:p>
         </p:txBody>
       </p:sp>
@@ -4911,7 +4956,7 @@
         <p:spPr/>
         <p:txBody>
           <a:bodyPr>
-            <a:normAutofit lnSpcReduction="10000"/>
+            <a:normAutofit fontScale="92500" lnSpcReduction="10000"/>
           </a:bodyPr>
           <a:lstStyle/>
           <a:p>
@@ -4920,35 +4965,7 @@
             </a:pPr>
             <a:r>
               <a:rPr lang="en-US" sz="2000" i="1" dirty="0" smtClean="0"/>
-              <a:t>The </a:t>
-            </a:r>
-            <a:r>
-              <a:rPr lang="en-US" sz="2000" i="1" dirty="0" smtClean="0"/>
-              <a:t>“Initial </a:t>
-            </a:r>
-            <a:r>
-              <a:rPr lang="en-US" sz="2000" i="1" dirty="0" smtClean="0"/>
-              <a:t>Submission to the UML Profile for </a:t>
-            </a:r>
-            <a:r>
-              <a:rPr lang="en-US" sz="2000" i="1" dirty="0" smtClean="0"/>
-              <a:t>NIEM-3 </a:t>
-            </a:r>
-            <a:r>
-              <a:rPr lang="en-US" sz="2000" i="1" dirty="0" smtClean="0"/>
-              <a:t>(</a:t>
-            </a:r>
-            <a:r>
-              <a:rPr lang="en-US" sz="2000" i="1" dirty="0" smtClean="0"/>
-              <a:t>NIEM-UML-3)” </a:t>
-            </a:r>
-            <a:r>
-              <a:rPr lang="en-US" sz="2000" i="1" dirty="0" smtClean="0"/>
-              <a:t>was delivered to the Object Management Group (OMG) on </a:t>
-            </a:r>
-            <a:r>
-              <a:rPr lang="en-US" sz="2000" i="1" dirty="0" smtClean="0"/>
-              <a:t>August 16</a:t>
+              <a:t>The “Initial Submission to the UML Profile for NIEM-3 (NIEM-UML-3)” was delivered to the Object Management Group (OMG) on August 16</a:t>
             </a:r>
             <a:r>
               <a:rPr lang="en-US" sz="2000" i="1" baseline="30000" dirty="0" smtClean="0"/>
@@ -4956,9 +4973,16 @@
             </a:r>
             <a:r>
               <a:rPr lang="en-US" sz="2000" i="1" dirty="0" smtClean="0"/>
-              <a:t>, 2014.</a:t>
-            </a:r>
-            <a:endParaRPr lang="en-US" sz="2000" i="1" dirty="0" smtClean="0"/>
+              <a:t>, 2014. Final submission due: Feb 23</a:t>
+            </a:r>
+            <a:r>
+              <a:rPr lang="en-US" sz="2000" i="1" baseline="30000" dirty="0" smtClean="0"/>
+              <a:t>rd</a:t>
+            </a:r>
+            <a:r>
+              <a:rPr lang="en-US" sz="2000" i="1" dirty="0" smtClean="0"/>
+              <a:t>, 2015.</a:t>
+            </a:r>
           </a:p>
           <a:p>
             <a:pPr marL="0" indent="0">
@@ -5000,8 +5024,30 @@
             <a:pPr lvl="1"/>
             <a:r>
               <a:rPr lang="en-US" sz="2000" b="1" dirty="0" smtClean="0"/>
-              <a:t>Contributors and reviewers are welcome</a:t>
-            </a:r>
+              <a:t>Contributors and reviewers are </a:t>
+            </a:r>
+            <a:r>
+              <a:rPr lang="en-US" sz="2000" b="1" dirty="0" smtClean="0"/>
+              <a:t>welcome</a:t>
+            </a:r>
+          </a:p>
+          <a:p>
+            <a:pPr lvl="2"/>
+            <a:r>
+              <a:rPr lang="en-US" sz="1600" b="1"/>
+              <a:t>Mail list</a:t>
+            </a:r>
+            <a:r>
+              <a:rPr lang="en-US" sz="1600" b="1"/>
+              <a:t>: </a:t>
+            </a:r>
+            <a:r>
+              <a:rPr lang="en-US" sz="1600" b="1" smtClean="0">
+                <a:hlinkClick r:id="rId3"/>
+              </a:rPr>
+              <a:t>niem-uml@modeldriven.org</a:t>
+            </a:r>
+            <a:endParaRPr lang="en-US" sz="1600" b="1" smtClean="0"/>
           </a:p>
           <a:p>
             <a:pPr lvl="1"/>
@@ -5010,31 +5056,18 @@
           <a:p>
             <a:r>
               <a:rPr lang="en-US" sz="2400" b="1" dirty="0" smtClean="0"/>
-              <a:t>OMG </a:t>
-            </a:r>
-            <a:r>
-              <a:rPr lang="en-US" sz="2400" b="1" dirty="0" smtClean="0"/>
-              <a:t>Documents </a:t>
-            </a:r>
-            <a:endParaRPr lang="en-US" sz="2400" b="1" dirty="0" smtClean="0"/>
+              <a:t>OMG Documents </a:t>
+            </a:r>
           </a:p>
           <a:p>
             <a:pPr lvl="1"/>
             <a:r>
               <a:rPr lang="en-US" sz="2100" b="1" dirty="0" smtClean="0"/>
-              <a:t>Submission</a:t>
-            </a:r>
-            <a:r>
-              <a:rPr lang="en-US" sz="2100" b="1" dirty="0" smtClean="0"/>
-              <a:t>:</a:t>
+              <a:t>Submission:</a:t>
             </a:r>
             <a:r>
               <a:rPr lang="en-US" sz="2100" dirty="0" smtClean="0"/>
-              <a:t>   				</a:t>
-            </a:r>
-            <a:r>
-              <a:rPr lang="en-US" sz="2100" dirty="0" smtClean="0"/>
-              <a:t>	</a:t>
+              <a:t>   					</a:t>
             </a:r>
             <a:r>
               <a:rPr lang="en-US" sz="1400" dirty="0" err="1" smtClean="0"/>
@@ -5049,11 +5082,7 @@
             <a:pPr lvl="1"/>
             <a:r>
               <a:rPr lang="en-US" sz="2000" b="1" dirty="0" smtClean="0"/>
-              <a:t>Machine </a:t>
-            </a:r>
-            <a:r>
-              <a:rPr lang="en-US" sz="2000" b="1" dirty="0" smtClean="0"/>
-              <a:t>Readable Artifacts:</a:t>
+              <a:t>Machine Readable Artifacts:</a:t>
             </a:r>
             <a:r>
               <a:rPr lang="en-US" sz="2000" dirty="0" smtClean="0"/>
@@ -5078,7 +5107,6 @@
               <a:rPr lang="en-US" sz="1200" dirty="0" smtClean="0"/>
               <a:t> and Eclipse files are available on GITHUB</a:t>
             </a:r>
-            <a:endParaRPr lang="en-US" sz="1200" dirty="0" smtClean="0"/>
           </a:p>
           <a:p>
             <a:pPr marL="0" indent="0">
@@ -7717,15 +7745,7 @@
             </a:r>
             <a:r>
               <a:rPr lang="en-US" sz="1800" dirty="0" smtClean="0"/>
-              <a:t>” for </a:t>
-            </a:r>
-            <a:r>
-              <a:rPr lang="en-US" sz="1800" dirty="0" smtClean="0"/>
-              <a:t>reference – instances decide if and how to aggregate. </a:t>
-            </a:r>
-            <a:r>
-              <a:rPr lang="en-US" sz="1800" dirty="0" smtClean="0"/>
-              <a:t>UML aggregation may be used but has no meaning in NIEM-UML-3. Other possible interpretations can be considered.</a:t>
+              <a:t>” for reference – instances decide if and how to aggregate. UML aggregation may be used but has no meaning in NIEM-UML-3. Other possible interpretations can be considered.</a:t>
             </a:r>
           </a:p>
           <a:p>
@@ -7741,7 +7761,6 @@
               <a:rPr lang="en-US" sz="1800" dirty="0" smtClean="0"/>
               <a:t>Use of “Reference” suffix should be removed from models (may be automated by tools)</a:t>
             </a:r>
-            <a:endParaRPr lang="en-US" sz="1800" dirty="0" smtClean="0"/>
           </a:p>
         </p:txBody>
       </p:sp>
@@ -7878,13 +7897,6 @@
               </a:rPr>
               <a:t>Has no impact on generated schema</a:t>
             </a:r>
-            <a:endParaRPr lang="en-US" sz="1400" b="1" spc="-50" dirty="0" smtClean="0">
-              <a:solidFill>
-                <a:srgbClr val="304776"/>
-              </a:solidFill>
-              <a:latin typeface="Arial"/>
-              <a:cs typeface="Arial"/>
-            </a:endParaRPr>
           </a:p>
         </p:txBody>
       </p:sp>
